--- a/284 - I Have Found the Glorious Gospel.pptx
+++ b/284 - I Have Found the Glorious Gospel.pptx
@@ -119,10 +119,6 @@
 </p:presentation>
 </file>
 
-<file path=ppt/revisionInfo.xml><?xml version="1.0" encoding="utf-8"?>
-<p1510:revInfo xmlns:a="http://schemas.openxmlformats.org/drawingml/2006/main" xmlns:r="http://schemas.openxmlformats.org/officeDocument/2006/relationships" xmlns:p1510="http://schemas.microsoft.com/office/powerpoint/2015/10/main"/>
-</file>
-
 <file path=ppt/slideLayouts/slideLayout1.xml><?xml version="1.0" encoding="utf-8"?>
 <p:sldLayout xmlns:a="http://schemas.openxmlformats.org/drawingml/2006/main" xmlns:r="http://schemas.openxmlformats.org/officeDocument/2006/relationships" xmlns:p="http://schemas.openxmlformats.org/presentationml/2006/main" type="title" preserve="1">
   <p:cSld name="Title Slide">
@@ -252,7 +248,7 @@
           <a:p>
             <a:fld id="{32F7251A-AE54-443C-B8FE-5F636E835EBF}" type="datetimeFigureOut">
               <a:rPr lang="en-US" smtClean="0"/>
-              <a:t>9/17/2017</a:t>
+              <a:t>5/27/2018</a:t>
             </a:fld>
             <a:endParaRPr lang="en-US"/>
           </a:p>
@@ -420,7 +416,7 @@
           <a:p>
             <a:fld id="{32F7251A-AE54-443C-B8FE-5F636E835EBF}" type="datetimeFigureOut">
               <a:rPr lang="en-US" smtClean="0"/>
-              <a:t>9/17/2017</a:t>
+              <a:t>5/27/2018</a:t>
             </a:fld>
             <a:endParaRPr lang="en-US"/>
           </a:p>
@@ -598,7 +594,7 @@
           <a:p>
             <a:fld id="{32F7251A-AE54-443C-B8FE-5F636E835EBF}" type="datetimeFigureOut">
               <a:rPr lang="en-US" smtClean="0"/>
-              <a:t>9/17/2017</a:t>
+              <a:t>5/27/2018</a:t>
             </a:fld>
             <a:endParaRPr lang="en-US"/>
           </a:p>
@@ -766,7 +762,7 @@
           <a:p>
             <a:fld id="{32F7251A-AE54-443C-B8FE-5F636E835EBF}" type="datetimeFigureOut">
               <a:rPr lang="en-US" smtClean="0"/>
-              <a:t>9/17/2017</a:t>
+              <a:t>5/27/2018</a:t>
             </a:fld>
             <a:endParaRPr lang="en-US"/>
           </a:p>
@@ -1011,7 +1007,7 @@
           <a:p>
             <a:fld id="{32F7251A-AE54-443C-B8FE-5F636E835EBF}" type="datetimeFigureOut">
               <a:rPr lang="en-US" smtClean="0"/>
-              <a:t>9/17/2017</a:t>
+              <a:t>5/27/2018</a:t>
             </a:fld>
             <a:endParaRPr lang="en-US"/>
           </a:p>
@@ -1240,7 +1236,7 @@
           <a:p>
             <a:fld id="{32F7251A-AE54-443C-B8FE-5F636E835EBF}" type="datetimeFigureOut">
               <a:rPr lang="en-US" smtClean="0"/>
-              <a:t>9/17/2017</a:t>
+              <a:t>5/27/2018</a:t>
             </a:fld>
             <a:endParaRPr lang="en-US"/>
           </a:p>
@@ -1604,7 +1600,7 @@
           <a:p>
             <a:fld id="{32F7251A-AE54-443C-B8FE-5F636E835EBF}" type="datetimeFigureOut">
               <a:rPr lang="en-US" smtClean="0"/>
-              <a:t>9/17/2017</a:t>
+              <a:t>5/27/2018</a:t>
             </a:fld>
             <a:endParaRPr lang="en-US"/>
           </a:p>
@@ -1721,7 +1717,7 @@
           <a:p>
             <a:fld id="{32F7251A-AE54-443C-B8FE-5F636E835EBF}" type="datetimeFigureOut">
               <a:rPr lang="en-US" smtClean="0"/>
-              <a:t>9/17/2017</a:t>
+              <a:t>5/27/2018</a:t>
             </a:fld>
             <a:endParaRPr lang="en-US"/>
           </a:p>
@@ -1816,7 +1812,7 @@
           <a:p>
             <a:fld id="{32F7251A-AE54-443C-B8FE-5F636E835EBF}" type="datetimeFigureOut">
               <a:rPr lang="en-US" smtClean="0"/>
-              <a:t>9/17/2017</a:t>
+              <a:t>5/27/2018</a:t>
             </a:fld>
             <a:endParaRPr lang="en-US"/>
           </a:p>
@@ -2091,7 +2087,7 @@
           <a:p>
             <a:fld id="{32F7251A-AE54-443C-B8FE-5F636E835EBF}" type="datetimeFigureOut">
               <a:rPr lang="en-US" smtClean="0"/>
-              <a:t>9/17/2017</a:t>
+              <a:t>5/27/2018</a:t>
             </a:fld>
             <a:endParaRPr lang="en-US"/>
           </a:p>
@@ -2343,7 +2339,7 @@
           <a:p>
             <a:fld id="{32F7251A-AE54-443C-B8FE-5F636E835EBF}" type="datetimeFigureOut">
               <a:rPr lang="en-US" smtClean="0"/>
-              <a:t>9/17/2017</a:t>
+              <a:t>5/27/2018</a:t>
             </a:fld>
             <a:endParaRPr lang="en-US"/>
           </a:p>
@@ -2557,7 +2553,7 @@
           <a:p>
             <a:fld id="{32F7251A-AE54-443C-B8FE-5F636E835EBF}" type="datetimeFigureOut">
               <a:rPr lang="en-US" smtClean="0"/>
-              <a:t>9/17/2017</a:t>
+              <a:t>5/27/2018</a:t>
             </a:fld>
             <a:endParaRPr lang="en-US"/>
           </a:p>
@@ -3145,7 +3141,7 @@
                   <a:schemeClr val="bg1"/>
                 </a:solidFill>
               </a:rPr>
-              <a:t>Since the previous angel message came to me.</a:t>
+              <a:t>Since the precious angel message came to me.</a:t>
             </a:r>
           </a:p>
         </p:txBody>
@@ -3924,8 +3920,21 @@
                   <a:schemeClr val="bg1"/>
                 </a:solidFill>
               </a:rPr>
-              <a:t>No more do fears and doubting</a:t>
-            </a:r>
+              <a:t>No more do fears and </a:t>
+            </a:r>
+            <a:r>
+              <a:rPr lang="en-US" sz="3600">
+                <a:solidFill>
+                  <a:schemeClr val="bg1"/>
+                </a:solidFill>
+              </a:rPr>
+              <a:t>doubtings</a:t>
+            </a:r>
+            <a:endParaRPr lang="en-US" sz="3600" dirty="0">
+              <a:solidFill>
+                <a:schemeClr val="bg1"/>
+              </a:solidFill>
+            </a:endParaRPr>
           </a:p>
           <a:p>
             <a:pPr algn="ctr"/>

--- a/284 - I Have Found the Glorious Gospel.pptx
+++ b/284 - I Have Found the Glorious Gospel.pptx
@@ -6,13 +6,9 @@
   </p:sldMasterIdLst>
   <p:sldIdLst>
     <p:sldId id="256" r:id="rId2"/>
-    <p:sldId id="257" r:id="rId3"/>
-    <p:sldId id="258" r:id="rId4"/>
-    <p:sldId id="259" r:id="rId5"/>
-    <p:sldId id="260" r:id="rId6"/>
-    <p:sldId id="261" r:id="rId7"/>
-    <p:sldId id="262" r:id="rId8"/>
-    <p:sldId id="263" r:id="rId9"/>
+    <p:sldId id="258" r:id="rId3"/>
+    <p:sldId id="260" r:id="rId4"/>
+    <p:sldId id="262" r:id="rId5"/>
   </p:sldIdLst>
   <p:sldSz cx="12192000" cy="6858000"/>
   <p:notesSz cx="6858000" cy="9144000"/>
@@ -248,7 +244,7 @@
           <a:p>
             <a:fld id="{32F7251A-AE54-443C-B8FE-5F636E835EBF}" type="datetimeFigureOut">
               <a:rPr lang="en-US" smtClean="0"/>
-              <a:t>5/27/2018</a:t>
+              <a:t>8/16/2020</a:t>
             </a:fld>
             <a:endParaRPr lang="en-US"/>
           </a:p>
@@ -416,7 +412,7 @@
           <a:p>
             <a:fld id="{32F7251A-AE54-443C-B8FE-5F636E835EBF}" type="datetimeFigureOut">
               <a:rPr lang="en-US" smtClean="0"/>
-              <a:t>5/27/2018</a:t>
+              <a:t>8/16/2020</a:t>
             </a:fld>
             <a:endParaRPr lang="en-US"/>
           </a:p>
@@ -594,7 +590,7 @@
           <a:p>
             <a:fld id="{32F7251A-AE54-443C-B8FE-5F636E835EBF}" type="datetimeFigureOut">
               <a:rPr lang="en-US" smtClean="0"/>
-              <a:t>5/27/2018</a:t>
+              <a:t>8/16/2020</a:t>
             </a:fld>
             <a:endParaRPr lang="en-US"/>
           </a:p>
@@ -762,7 +758,7 @@
           <a:p>
             <a:fld id="{32F7251A-AE54-443C-B8FE-5F636E835EBF}" type="datetimeFigureOut">
               <a:rPr lang="en-US" smtClean="0"/>
-              <a:t>5/27/2018</a:t>
+              <a:t>8/16/2020</a:t>
             </a:fld>
             <a:endParaRPr lang="en-US"/>
           </a:p>
@@ -1007,7 +1003,7 @@
           <a:p>
             <a:fld id="{32F7251A-AE54-443C-B8FE-5F636E835EBF}" type="datetimeFigureOut">
               <a:rPr lang="en-US" smtClean="0"/>
-              <a:t>5/27/2018</a:t>
+              <a:t>8/16/2020</a:t>
             </a:fld>
             <a:endParaRPr lang="en-US"/>
           </a:p>
@@ -1236,7 +1232,7 @@
           <a:p>
             <a:fld id="{32F7251A-AE54-443C-B8FE-5F636E835EBF}" type="datetimeFigureOut">
               <a:rPr lang="en-US" smtClean="0"/>
-              <a:t>5/27/2018</a:t>
+              <a:t>8/16/2020</a:t>
             </a:fld>
             <a:endParaRPr lang="en-US"/>
           </a:p>
@@ -1600,7 +1596,7 @@
           <a:p>
             <a:fld id="{32F7251A-AE54-443C-B8FE-5F636E835EBF}" type="datetimeFigureOut">
               <a:rPr lang="en-US" smtClean="0"/>
-              <a:t>5/27/2018</a:t>
+              <a:t>8/16/2020</a:t>
             </a:fld>
             <a:endParaRPr lang="en-US"/>
           </a:p>
@@ -1717,7 +1713,7 @@
           <a:p>
             <a:fld id="{32F7251A-AE54-443C-B8FE-5F636E835EBF}" type="datetimeFigureOut">
               <a:rPr lang="en-US" smtClean="0"/>
-              <a:t>5/27/2018</a:t>
+              <a:t>8/16/2020</a:t>
             </a:fld>
             <a:endParaRPr lang="en-US"/>
           </a:p>
@@ -1812,7 +1808,7 @@
           <a:p>
             <a:fld id="{32F7251A-AE54-443C-B8FE-5F636E835EBF}" type="datetimeFigureOut">
               <a:rPr lang="en-US" smtClean="0"/>
-              <a:t>5/27/2018</a:t>
+              <a:t>8/16/2020</a:t>
             </a:fld>
             <a:endParaRPr lang="en-US"/>
           </a:p>
@@ -2087,7 +2083,7 @@
           <a:p>
             <a:fld id="{32F7251A-AE54-443C-B8FE-5F636E835EBF}" type="datetimeFigureOut">
               <a:rPr lang="en-US" smtClean="0"/>
-              <a:t>5/27/2018</a:t>
+              <a:t>8/16/2020</a:t>
             </a:fld>
             <a:endParaRPr lang="en-US"/>
           </a:p>
@@ -2339,7 +2335,7 @@
           <a:p>
             <a:fld id="{32F7251A-AE54-443C-B8FE-5F636E835EBF}" type="datetimeFigureOut">
               <a:rPr lang="en-US" smtClean="0"/>
-              <a:t>5/27/2018</a:t>
+              <a:t>8/16/2020</a:t>
             </a:fld>
             <a:endParaRPr lang="en-US"/>
           </a:p>
@@ -2406,7 +2402,9 @@
     <p:bg>
       <p:bgPr>
         <a:solidFill>
-          <a:srgbClr val="333333"/>
+          <a:schemeClr val="bg1">
+            <a:lumMod val="10000"/>
+          </a:schemeClr>
         </a:solidFill>
         <a:effectLst/>
       </p:bgPr>
@@ -2553,7 +2551,7 @@
           <a:p>
             <a:fld id="{32F7251A-AE54-443C-B8FE-5F636E835EBF}" type="datetimeFigureOut">
               <a:rPr lang="en-US" smtClean="0"/>
-              <a:t>5/27/2018</a:t>
+              <a:t>8/16/2020</a:t>
             </a:fld>
             <a:endParaRPr lang="en-US"/>
           </a:p>
@@ -3023,8 +3021,8 @@
         </p:nvSpPr>
         <p:spPr>
           <a:xfrm>
-            <a:off x="0" y="5804209"/>
-            <a:ext cx="12192000" cy="830997"/>
+            <a:off x="0" y="5927320"/>
+            <a:ext cx="12192000" cy="584775"/>
           </a:xfrm>
           <a:prstGeom prst="rect">
             <a:avLst/>
@@ -3039,10 +3037,12 @@
           <a:p>
             <a:pPr algn="ctr"/>
             <a:r>
-              <a:rPr lang="en-US" sz="4800" dirty="0">
+              <a:rPr lang="en-US" sz="3200" u="sng" dirty="0">
                 <a:solidFill>
                   <a:schemeClr val="bg1"/>
                 </a:solidFill>
+                <a:latin typeface="Assistant SemiBold" panose="00000700000000000000" pitchFamily="2" charset="-79"/>
+                <a:cs typeface="Assistant SemiBold" panose="00000700000000000000" pitchFamily="2" charset="-79"/>
               </a:rPr>
               <a:t>“I Have Found the Glorious Gospel”</a:t>
             </a:r>
@@ -3057,8 +3057,8 @@
         </p:nvSpPr>
         <p:spPr>
           <a:xfrm>
-            <a:off x="0" y="599476"/>
-            <a:ext cx="12192000" cy="3970318"/>
+            <a:off x="0" y="361224"/>
+            <a:ext cx="12192000" cy="5262979"/>
           </a:xfrm>
           <a:prstGeom prst="rect">
             <a:avLst/>
@@ -3073,10 +3073,12 @@
           <a:p>
             <a:pPr algn="ctr"/>
             <a:r>
-              <a:rPr lang="en-US" sz="3600" dirty="0">
+              <a:rPr lang="en-US" sz="2800" spc="50" dirty="0">
                 <a:solidFill>
                   <a:schemeClr val="bg1"/>
                 </a:solidFill>
+                <a:latin typeface="Assistant" panose="00000500000000000000" pitchFamily="2" charset="-79"/>
+                <a:cs typeface="Assistant" panose="00000500000000000000" pitchFamily="2" charset="-79"/>
               </a:rPr>
               <a:t>I have found the glorious gospel</a:t>
             </a:r>
@@ -3084,10 +3086,12 @@
           <a:p>
             <a:pPr algn="ctr"/>
             <a:r>
-              <a:rPr lang="en-US" sz="3600" dirty="0">
+              <a:rPr lang="en-US" sz="2800" spc="50" dirty="0">
                 <a:solidFill>
                   <a:schemeClr val="bg1"/>
                 </a:solidFill>
+                <a:latin typeface="Assistant" panose="00000500000000000000" pitchFamily="2" charset="-79"/>
+                <a:cs typeface="Assistant" panose="00000500000000000000" pitchFamily="2" charset="-79"/>
               </a:rPr>
               <a:t>that was taught in former years,</a:t>
             </a:r>
@@ -3095,54 +3099,126 @@
           <a:p>
             <a:pPr algn="ctr"/>
             <a:r>
-              <a:rPr lang="en-US" sz="3600" dirty="0">
+              <a:rPr lang="en-US" sz="2800" spc="50" dirty="0">
                 <a:solidFill>
                   <a:schemeClr val="bg1"/>
                 </a:solidFill>
+                <a:latin typeface="Assistant" panose="00000500000000000000" pitchFamily="2" charset="-79"/>
+                <a:cs typeface="Assistant" panose="00000500000000000000" pitchFamily="2" charset="-79"/>
               </a:rPr>
               <a:t>With its gifts and blessings all so full and free;</a:t>
             </a:r>
           </a:p>
           <a:p>
             <a:pPr algn="ctr"/>
-            <a:endParaRPr lang="en-US" sz="3600" dirty="0">
+            <a:r>
+              <a:rPr lang="en-US" sz="2800" spc="50" dirty="0">
+                <a:solidFill>
+                  <a:schemeClr val="bg1"/>
+                </a:solidFill>
+                <a:latin typeface="Assistant" panose="00000500000000000000" pitchFamily="2" charset="-79"/>
+                <a:cs typeface="Assistant" panose="00000500000000000000" pitchFamily="2" charset="-79"/>
+              </a:rPr>
+              <a:t>And my soul is thrilled with gladness,</a:t>
+            </a:r>
+          </a:p>
+          <a:p>
+            <a:pPr algn="ctr"/>
+            <a:r>
+              <a:rPr lang="en-US" sz="2800" spc="50" dirty="0">
+                <a:solidFill>
+                  <a:schemeClr val="bg1"/>
+                </a:solidFill>
+                <a:latin typeface="Assistant" panose="00000500000000000000" pitchFamily="2" charset="-79"/>
+                <a:cs typeface="Assistant" panose="00000500000000000000" pitchFamily="2" charset="-79"/>
+              </a:rPr>
+              <a:t>and banished are my fears,</a:t>
+            </a:r>
+          </a:p>
+          <a:p>
+            <a:pPr algn="ctr"/>
+            <a:r>
+              <a:rPr lang="en-US" sz="2800" spc="50" dirty="0">
+                <a:solidFill>
+                  <a:schemeClr val="bg1"/>
+                </a:solidFill>
+                <a:latin typeface="Assistant" panose="00000500000000000000" pitchFamily="2" charset="-79"/>
+                <a:cs typeface="Assistant" panose="00000500000000000000" pitchFamily="2" charset="-79"/>
+              </a:rPr>
+              <a:t>Since the precious angel message came to me.</a:t>
+            </a:r>
+          </a:p>
+          <a:p>
+            <a:pPr algn="ctr"/>
+            <a:endParaRPr lang="en-US" sz="2800" spc="50" dirty="0">
               <a:solidFill>
                 <a:schemeClr val="bg1"/>
               </a:solidFill>
+              <a:latin typeface="Assistant" panose="00000500000000000000" pitchFamily="2" charset="-79"/>
+              <a:cs typeface="Assistant" panose="00000500000000000000" pitchFamily="2" charset="-79"/>
             </a:endParaRPr>
           </a:p>
           <a:p>
             <a:pPr algn="ctr"/>
             <a:r>
-              <a:rPr lang="en-US" sz="3600" dirty="0">
+              <a:rPr lang="en-US" sz="2800" spc="50" dirty="0">
                 <a:solidFill>
                   <a:schemeClr val="bg1"/>
                 </a:solidFill>
+                <a:latin typeface="Assistant" panose="00000500000000000000" pitchFamily="2" charset="-79"/>
+                <a:cs typeface="Assistant" panose="00000500000000000000" pitchFamily="2" charset="-79"/>
               </a:rPr>
-              <a:t>And my soul is thrilled with gladness,</a:t>
-            </a:r>
-          </a:p>
-          <a:p>
-            <a:pPr algn="ctr"/>
-            <a:r>
-              <a:rPr lang="en-US" sz="3600" dirty="0">
+              <a:t>Then praise the Lord, O my soul!</a:t>
+            </a:r>
+          </a:p>
+          <a:p>
+            <a:pPr algn="ctr"/>
+            <a:r>
+              <a:rPr lang="en-US" sz="2800" spc="50" dirty="0">
                 <a:solidFill>
                   <a:schemeClr val="bg1"/>
                 </a:solidFill>
+                <a:latin typeface="Assistant" panose="00000500000000000000" pitchFamily="2" charset="-79"/>
+                <a:cs typeface="Assistant" panose="00000500000000000000" pitchFamily="2" charset="-79"/>
               </a:rPr>
-              <a:t>and banished are my fears,</a:t>
-            </a:r>
-          </a:p>
-          <a:p>
-            <a:pPr algn="ctr"/>
-            <a:r>
-              <a:rPr lang="en-US" sz="3600" dirty="0">
+              <a:t>Abundant mercy, oh, how free!</a:t>
+            </a:r>
+          </a:p>
+          <a:p>
+            <a:pPr algn="ctr"/>
+            <a:r>
+              <a:rPr lang="en-US" sz="2800" spc="50" dirty="0">
                 <a:solidFill>
                   <a:schemeClr val="bg1"/>
                 </a:solidFill>
+                <a:latin typeface="Assistant" panose="00000500000000000000" pitchFamily="2" charset="-79"/>
+                <a:cs typeface="Assistant" panose="00000500000000000000" pitchFamily="2" charset="-79"/>
+              </a:rPr>
+              <a:t>In joyful song my spirit doth accord,</a:t>
+            </a:r>
+          </a:p>
+          <a:p>
+            <a:pPr algn="ctr"/>
+            <a:r>
+              <a:rPr lang="en-US" sz="2800" spc="50" dirty="0">
+                <a:solidFill>
+                  <a:schemeClr val="bg1"/>
+                </a:solidFill>
+                <a:latin typeface="Assistant" panose="00000500000000000000" pitchFamily="2" charset="-79"/>
+                <a:cs typeface="Assistant" panose="00000500000000000000" pitchFamily="2" charset="-79"/>
               </a:rPr>
               <a:t>Since the precious angel message came to me.</a:t>
             </a:r>
+          </a:p>
+          <a:p>
+            <a:pPr algn="ctr"/>
+            <a:endParaRPr lang="en-US" sz="2800" spc="50" dirty="0">
+              <a:solidFill>
+                <a:schemeClr val="bg1"/>
+              </a:solidFill>
+              <a:latin typeface="Assistant" panose="00000500000000000000" pitchFamily="2" charset="-79"/>
+              <a:cs typeface="Assistant" panose="00000500000000000000" pitchFamily="2" charset="-79"/>
+            </a:endParaRPr>
           </a:p>
         </p:txBody>
       </p:sp>
@@ -3241,8 +3317,8 @@
         </p:nvSpPr>
         <p:spPr>
           <a:xfrm>
-            <a:off x="0" y="5804209"/>
-            <a:ext cx="12192000" cy="830997"/>
+            <a:off x="0" y="5927320"/>
+            <a:ext cx="12192000" cy="584775"/>
           </a:xfrm>
           <a:prstGeom prst="rect">
             <a:avLst/>
@@ -3257,10 +3333,12 @@
           <a:p>
             <a:pPr algn="ctr"/>
             <a:r>
-              <a:rPr lang="en-US" sz="4800" dirty="0">
+              <a:rPr lang="en-US" sz="3200" u="sng" dirty="0">
                 <a:solidFill>
                   <a:schemeClr val="bg1"/>
                 </a:solidFill>
+                <a:latin typeface="Assistant SemiBold" panose="00000700000000000000" pitchFamily="2" charset="-79"/>
+                <a:cs typeface="Assistant SemiBold" panose="00000700000000000000" pitchFamily="2" charset="-79"/>
               </a:rPr>
               <a:t>“I Have Found the Glorious Gospel”</a:t>
             </a:r>
@@ -3275,8 +3353,8 @@
         </p:nvSpPr>
         <p:spPr>
           <a:xfrm>
-            <a:off x="0" y="1341604"/>
-            <a:ext cx="12192000" cy="2308324"/>
+            <a:off x="0" y="612105"/>
+            <a:ext cx="12192000" cy="4832092"/>
           </a:xfrm>
           <a:prstGeom prst="rect">
             <a:avLst/>
@@ -3291,10 +3369,87 @@
           <a:p>
             <a:pPr algn="ctr"/>
             <a:r>
-              <a:rPr lang="en-US" sz="3600" dirty="0">
+              <a:rPr lang="en-US" sz="2800" spc="50" dirty="0">
                 <a:solidFill>
                   <a:schemeClr val="bg1"/>
                 </a:solidFill>
+                <a:latin typeface="Assistant" panose="00000500000000000000" pitchFamily="2" charset="-79"/>
+                <a:cs typeface="Assistant" panose="00000500000000000000" pitchFamily="2" charset="-79"/>
+              </a:rPr>
+              <a:t>I wandered long in darkness,</a:t>
+            </a:r>
+          </a:p>
+          <a:p>
+            <a:pPr algn="ctr"/>
+            <a:r>
+              <a:rPr lang="en-US" sz="2800" spc="50" dirty="0">
+                <a:solidFill>
+                  <a:schemeClr val="bg1"/>
+                </a:solidFill>
+                <a:latin typeface="Assistant" panose="00000500000000000000" pitchFamily="2" charset="-79"/>
+                <a:cs typeface="Assistant" panose="00000500000000000000" pitchFamily="2" charset="-79"/>
+              </a:rPr>
+              <a:t>yet sought the narrow way,</a:t>
+            </a:r>
+          </a:p>
+          <a:p>
+            <a:pPr algn="ctr"/>
+            <a:r>
+              <a:rPr lang="en-US" sz="2800" spc="50" dirty="0">
+                <a:solidFill>
+                  <a:schemeClr val="bg1"/>
+                </a:solidFill>
+                <a:latin typeface="Assistant" panose="00000500000000000000" pitchFamily="2" charset="-79"/>
+                <a:cs typeface="Assistant" panose="00000500000000000000" pitchFamily="2" charset="-79"/>
+              </a:rPr>
+              <a:t>And my life was like the surging of the sea;</a:t>
+            </a:r>
+          </a:p>
+          <a:p>
+            <a:pPr algn="ctr"/>
+            <a:r>
+              <a:rPr lang="en-US" sz="2800" spc="50" dirty="0">
+                <a:solidFill>
+                  <a:schemeClr val="bg1"/>
+                </a:solidFill>
+                <a:latin typeface="Assistant" panose="00000500000000000000" pitchFamily="2" charset="-79"/>
+                <a:cs typeface="Assistant" panose="00000500000000000000" pitchFamily="2" charset="-79"/>
+              </a:rPr>
+              <a:t>But now I am rejoicing in this the latter day,</a:t>
+            </a:r>
+          </a:p>
+          <a:p>
+            <a:pPr algn="ctr"/>
+            <a:r>
+              <a:rPr lang="en-US" sz="2800" spc="50" dirty="0">
+                <a:solidFill>
+                  <a:schemeClr val="bg1"/>
+                </a:solidFill>
+                <a:latin typeface="Assistant" panose="00000500000000000000" pitchFamily="2" charset="-79"/>
+                <a:cs typeface="Assistant" panose="00000500000000000000" pitchFamily="2" charset="-79"/>
+              </a:rPr>
+              <a:t>Since the precious angel message came to me.</a:t>
+            </a:r>
+          </a:p>
+          <a:p>
+            <a:pPr algn="ctr"/>
+            <a:endParaRPr lang="en-US" sz="2800" spc="50" dirty="0">
+              <a:solidFill>
+                <a:schemeClr val="bg1"/>
+              </a:solidFill>
+              <a:latin typeface="Assistant" panose="00000500000000000000" pitchFamily="2" charset="-79"/>
+              <a:cs typeface="Assistant" panose="00000500000000000000" pitchFamily="2" charset="-79"/>
+            </a:endParaRPr>
+          </a:p>
+          <a:p>
+            <a:pPr algn="ctr"/>
+            <a:r>
+              <a:rPr lang="en-US" sz="2800" spc="50" dirty="0">
+                <a:solidFill>
+                  <a:schemeClr val="bg1"/>
+                </a:solidFill>
+                <a:latin typeface="Assistant" panose="00000500000000000000" pitchFamily="2" charset="-79"/>
+                <a:cs typeface="Assistant" panose="00000500000000000000" pitchFamily="2" charset="-79"/>
               </a:rPr>
               <a:t>Then praise the Lord, O my soul!</a:t>
             </a:r>
@@ -3302,10 +3457,12 @@
           <a:p>
             <a:pPr algn="ctr"/>
             <a:r>
-              <a:rPr lang="en-US" sz="3600" dirty="0">
+              <a:rPr lang="en-US" sz="2800" spc="50" dirty="0">
                 <a:solidFill>
                   <a:schemeClr val="bg1"/>
                 </a:solidFill>
+                <a:latin typeface="Assistant" panose="00000500000000000000" pitchFamily="2" charset="-79"/>
+                <a:cs typeface="Assistant" panose="00000500000000000000" pitchFamily="2" charset="-79"/>
               </a:rPr>
               <a:t>Abundant mercy, oh, how free!</a:t>
             </a:r>
@@ -3313,10 +3470,12 @@
           <a:p>
             <a:pPr algn="ctr"/>
             <a:r>
-              <a:rPr lang="en-US" sz="3600" dirty="0">
+              <a:rPr lang="en-US" sz="2800" spc="50" dirty="0">
                 <a:solidFill>
                   <a:schemeClr val="bg1"/>
                 </a:solidFill>
+                <a:latin typeface="Assistant" panose="00000500000000000000" pitchFamily="2" charset="-79"/>
+                <a:cs typeface="Assistant" panose="00000500000000000000" pitchFamily="2" charset="-79"/>
               </a:rPr>
               <a:t>In joyful song my spirit doth accord,</a:t>
             </a:r>
@@ -3324,20 +3483,32 @@
           <a:p>
             <a:pPr algn="ctr"/>
             <a:r>
-              <a:rPr lang="en-US" sz="3600" dirty="0">
+              <a:rPr lang="en-US" sz="2800" spc="50" dirty="0">
                 <a:solidFill>
                   <a:schemeClr val="bg1"/>
                 </a:solidFill>
+                <a:latin typeface="Assistant" panose="00000500000000000000" pitchFamily="2" charset="-79"/>
+                <a:cs typeface="Assistant" panose="00000500000000000000" pitchFamily="2" charset="-79"/>
               </a:rPr>
               <a:t>Since the precious angel message came to me.</a:t>
             </a:r>
+          </a:p>
+          <a:p>
+            <a:pPr algn="ctr"/>
+            <a:endParaRPr lang="en-US" sz="2800" spc="50" dirty="0">
+              <a:solidFill>
+                <a:schemeClr val="bg1"/>
+              </a:solidFill>
+              <a:latin typeface="Assistant" panose="00000500000000000000" pitchFamily="2" charset="-79"/>
+              <a:cs typeface="Assistant" panose="00000500000000000000" pitchFamily="2" charset="-79"/>
+            </a:endParaRPr>
           </a:p>
         </p:txBody>
       </p:sp>
     </p:spTree>
     <p:extLst>
       <p:ext uri="{BB962C8B-B14F-4D97-AF65-F5344CB8AC3E}">
-        <p14:creationId xmlns:p14="http://schemas.microsoft.com/office/powerpoint/2010/main" val="616593352"/>
+        <p14:creationId xmlns:p14="http://schemas.microsoft.com/office/powerpoint/2010/main" val="16856563"/>
       </p:ext>
     </p:extLst>
   </p:cSld>
@@ -3429,8 +3600,8 @@
         </p:nvSpPr>
         <p:spPr>
           <a:xfrm>
-            <a:off x="0" y="5804209"/>
-            <a:ext cx="12192000" cy="830997"/>
+            <a:off x="0" y="5927320"/>
+            <a:ext cx="12192000" cy="584775"/>
           </a:xfrm>
           <a:prstGeom prst="rect">
             <a:avLst/>
@@ -3445,10 +3616,12 @@
           <a:p>
             <a:pPr algn="ctr"/>
             <a:r>
-              <a:rPr lang="en-US" sz="4800" dirty="0">
+              <a:rPr lang="en-US" sz="3200" u="sng" dirty="0">
                 <a:solidFill>
                   <a:schemeClr val="bg1"/>
                 </a:solidFill>
+                <a:latin typeface="Assistant SemiBold" panose="00000700000000000000" pitchFamily="2" charset="-79"/>
+                <a:cs typeface="Assistant SemiBold" panose="00000700000000000000" pitchFamily="2" charset="-79"/>
               </a:rPr>
               <a:t>“I Have Found the Glorious Gospel”</a:t>
             </a:r>
@@ -3463,8 +3636,8 @@
         </p:nvSpPr>
         <p:spPr>
           <a:xfrm>
-            <a:off x="0" y="917528"/>
-            <a:ext cx="12192000" cy="3416320"/>
+            <a:off x="0" y="361224"/>
+            <a:ext cx="12192000" cy="5262979"/>
           </a:xfrm>
           <a:prstGeom prst="rect">
             <a:avLst/>
@@ -3479,72 +3652,176 @@
           <a:p>
             <a:pPr algn="ctr"/>
             <a:r>
-              <a:rPr lang="en-US" sz="3600" dirty="0">
+              <a:rPr lang="en-US" sz="2800" spc="50" dirty="0">
                 <a:solidFill>
                   <a:schemeClr val="bg1"/>
                 </a:solidFill>
+                <a:latin typeface="Assistant" panose="00000500000000000000" pitchFamily="2" charset="-79"/>
+                <a:cs typeface="Assistant" panose="00000500000000000000" pitchFamily="2" charset="-79"/>
               </a:rPr>
-              <a:t>I wandered long in darkness,</a:t>
-            </a:r>
-          </a:p>
-          <a:p>
-            <a:pPr algn="ctr"/>
-            <a:r>
-              <a:rPr lang="en-US" sz="3600" dirty="0">
+              <a:t>My once blind eyes are open,</a:t>
+            </a:r>
+          </a:p>
+          <a:p>
+            <a:pPr algn="ctr"/>
+            <a:r>
+              <a:rPr lang="en-US" sz="2800" spc="50" dirty="0">
                 <a:solidFill>
                   <a:schemeClr val="bg1"/>
                 </a:solidFill>
+                <a:latin typeface="Assistant" panose="00000500000000000000" pitchFamily="2" charset="-79"/>
+                <a:cs typeface="Assistant" panose="00000500000000000000" pitchFamily="2" charset="-79"/>
               </a:rPr>
-              <a:t>yet sought the narrow way,</a:t>
-            </a:r>
-          </a:p>
-          <a:p>
-            <a:pPr algn="ctr"/>
-            <a:r>
-              <a:rPr lang="en-US" sz="3600" dirty="0">
+              <a:t>my sins are washed away;</a:t>
+            </a:r>
+          </a:p>
+          <a:p>
+            <a:pPr algn="ctr"/>
+            <a:r>
+              <a:rPr lang="en-US" sz="2800" spc="50" dirty="0">
                 <a:solidFill>
                   <a:schemeClr val="bg1"/>
                 </a:solidFill>
+                <a:latin typeface="Assistant" panose="00000500000000000000" pitchFamily="2" charset="-79"/>
+                <a:cs typeface="Assistant" panose="00000500000000000000" pitchFamily="2" charset="-79"/>
               </a:rPr>
-              <a:t>And my life was like the surging of the sea;</a:t>
-            </a:r>
-          </a:p>
-          <a:p>
-            <a:pPr algn="ctr"/>
-            <a:endParaRPr lang="en-US" sz="3600" dirty="0">
+              <a:t>And the kingdom I can very plainly see;</a:t>
+            </a:r>
+          </a:p>
+          <a:p>
+            <a:pPr algn="ctr"/>
+            <a:r>
+              <a:rPr lang="en-US" sz="2800" spc="50" dirty="0">
+                <a:solidFill>
+                  <a:schemeClr val="bg1"/>
+                </a:solidFill>
+                <a:latin typeface="Assistant" panose="00000500000000000000" pitchFamily="2" charset="-79"/>
+                <a:cs typeface="Assistant" panose="00000500000000000000" pitchFamily="2" charset="-79"/>
+              </a:rPr>
+              <a:t>No more do fears and </a:t>
+            </a:r>
+            <a:r>
+              <a:rPr lang="en-US" sz="2800" spc="50" dirty="0" err="1">
+                <a:solidFill>
+                  <a:schemeClr val="bg1"/>
+                </a:solidFill>
+                <a:latin typeface="Assistant" panose="00000500000000000000" pitchFamily="2" charset="-79"/>
+                <a:cs typeface="Assistant" panose="00000500000000000000" pitchFamily="2" charset="-79"/>
+              </a:rPr>
+              <a:t>doubtings</a:t>
+            </a:r>
+            <a:endParaRPr lang="en-US" sz="2800" spc="50" dirty="0">
               <a:solidFill>
                 <a:schemeClr val="bg1"/>
               </a:solidFill>
+              <a:latin typeface="Assistant" panose="00000500000000000000" pitchFamily="2" charset="-79"/>
+              <a:cs typeface="Assistant" panose="00000500000000000000" pitchFamily="2" charset="-79"/>
             </a:endParaRPr>
           </a:p>
           <a:p>
             <a:pPr algn="ctr"/>
             <a:r>
-              <a:rPr lang="en-US" sz="3600" dirty="0">
+              <a:rPr lang="en-US" sz="2800" spc="50" dirty="0">
                 <a:solidFill>
                   <a:schemeClr val="bg1"/>
                 </a:solidFill>
+                <a:latin typeface="Assistant" panose="00000500000000000000" pitchFamily="2" charset="-79"/>
+                <a:cs typeface="Assistant" panose="00000500000000000000" pitchFamily="2" charset="-79"/>
               </a:rPr>
-              <a:t>But now I am rejoicing in this the latter day,</a:t>
-            </a:r>
-          </a:p>
-          <a:p>
-            <a:pPr algn="ctr"/>
-            <a:r>
-              <a:rPr lang="en-US" sz="3600" dirty="0">
+              <a:t>my trusting soul dismay,</a:t>
+            </a:r>
+          </a:p>
+          <a:p>
+            <a:pPr algn="ctr"/>
+            <a:r>
+              <a:rPr lang="en-US" sz="2800" spc="50" dirty="0">
                 <a:solidFill>
                   <a:schemeClr val="bg1"/>
                 </a:solidFill>
+                <a:latin typeface="Assistant" panose="00000500000000000000" pitchFamily="2" charset="-79"/>
+                <a:cs typeface="Assistant" panose="00000500000000000000" pitchFamily="2" charset="-79"/>
               </a:rPr>
               <a:t>Since the precious angel message came to me.</a:t>
             </a:r>
+          </a:p>
+          <a:p>
+            <a:pPr algn="ctr"/>
+            <a:endParaRPr lang="en-US" sz="2800" spc="50" dirty="0">
+              <a:solidFill>
+                <a:schemeClr val="bg1"/>
+              </a:solidFill>
+              <a:latin typeface="Assistant" panose="00000500000000000000" pitchFamily="2" charset="-79"/>
+              <a:cs typeface="Assistant" panose="00000500000000000000" pitchFamily="2" charset="-79"/>
+            </a:endParaRPr>
+          </a:p>
+          <a:p>
+            <a:pPr algn="ctr"/>
+            <a:r>
+              <a:rPr lang="en-US" sz="2800" spc="50" dirty="0">
+                <a:solidFill>
+                  <a:schemeClr val="bg1"/>
+                </a:solidFill>
+                <a:latin typeface="Assistant" panose="00000500000000000000" pitchFamily="2" charset="-79"/>
+                <a:cs typeface="Assistant" panose="00000500000000000000" pitchFamily="2" charset="-79"/>
+              </a:rPr>
+              <a:t>Then praise the Lord, O my soul!</a:t>
+            </a:r>
+          </a:p>
+          <a:p>
+            <a:pPr algn="ctr"/>
+            <a:r>
+              <a:rPr lang="en-US" sz="2800" spc="50" dirty="0">
+                <a:solidFill>
+                  <a:schemeClr val="bg1"/>
+                </a:solidFill>
+                <a:latin typeface="Assistant" panose="00000500000000000000" pitchFamily="2" charset="-79"/>
+                <a:cs typeface="Assistant" panose="00000500000000000000" pitchFamily="2" charset="-79"/>
+              </a:rPr>
+              <a:t>Abundant mercy, oh, how free!</a:t>
+            </a:r>
+          </a:p>
+          <a:p>
+            <a:pPr algn="ctr"/>
+            <a:r>
+              <a:rPr lang="en-US" sz="2800" spc="50" dirty="0">
+                <a:solidFill>
+                  <a:schemeClr val="bg1"/>
+                </a:solidFill>
+                <a:latin typeface="Assistant" panose="00000500000000000000" pitchFamily="2" charset="-79"/>
+                <a:cs typeface="Assistant" panose="00000500000000000000" pitchFamily="2" charset="-79"/>
+              </a:rPr>
+              <a:t>In joyful song my spirit doth accord,</a:t>
+            </a:r>
+          </a:p>
+          <a:p>
+            <a:pPr algn="ctr"/>
+            <a:r>
+              <a:rPr lang="en-US" sz="2800" spc="50" dirty="0">
+                <a:solidFill>
+                  <a:schemeClr val="bg1"/>
+                </a:solidFill>
+                <a:latin typeface="Assistant" panose="00000500000000000000" pitchFamily="2" charset="-79"/>
+                <a:cs typeface="Assistant" panose="00000500000000000000" pitchFamily="2" charset="-79"/>
+              </a:rPr>
+              <a:t>Since the precious angel message came to me.</a:t>
+            </a:r>
+          </a:p>
+          <a:p>
+            <a:pPr algn="ctr"/>
+            <a:endParaRPr lang="en-US" sz="2800" spc="50" dirty="0">
+              <a:solidFill>
+                <a:schemeClr val="bg1"/>
+              </a:solidFill>
+              <a:latin typeface="Assistant" panose="00000500000000000000" pitchFamily="2" charset="-79"/>
+              <a:cs typeface="Assistant" panose="00000500000000000000" pitchFamily="2" charset="-79"/>
+            </a:endParaRPr>
           </a:p>
         </p:txBody>
       </p:sp>
     </p:spTree>
     <p:extLst>
       <p:ext uri="{BB962C8B-B14F-4D97-AF65-F5344CB8AC3E}">
-        <p14:creationId xmlns:p14="http://schemas.microsoft.com/office/powerpoint/2010/main" val="16856563"/>
+        <p14:creationId xmlns:p14="http://schemas.microsoft.com/office/powerpoint/2010/main" val="3844178542"/>
       </p:ext>
     </p:extLst>
   </p:cSld>
@@ -3636,8 +3913,8 @@
         </p:nvSpPr>
         <p:spPr>
           <a:xfrm>
-            <a:off x="0" y="5804209"/>
-            <a:ext cx="12192000" cy="830997"/>
+            <a:off x="0" y="5927320"/>
+            <a:ext cx="12192000" cy="584775"/>
           </a:xfrm>
           <a:prstGeom prst="rect">
             <a:avLst/>
@@ -3652,10 +3929,12 @@
           <a:p>
             <a:pPr algn="ctr"/>
             <a:r>
-              <a:rPr lang="en-US" sz="4800" dirty="0">
+              <a:rPr lang="en-US" sz="3200" u="sng" dirty="0">
                 <a:solidFill>
                   <a:schemeClr val="bg1"/>
                 </a:solidFill>
+                <a:latin typeface="Assistant SemiBold" panose="00000700000000000000" pitchFamily="2" charset="-79"/>
+                <a:cs typeface="Assistant SemiBold" panose="00000700000000000000" pitchFamily="2" charset="-79"/>
               </a:rPr>
               <a:t>“I Have Found the Glorious Gospel”</a:t>
             </a:r>
@@ -3670,8 +3949,8 @@
         </p:nvSpPr>
         <p:spPr>
           <a:xfrm>
-            <a:off x="0" y="1341604"/>
-            <a:ext cx="12192000" cy="2308324"/>
+            <a:off x="0" y="468801"/>
+            <a:ext cx="12192000" cy="5262979"/>
           </a:xfrm>
           <a:prstGeom prst="rect">
             <a:avLst/>
@@ -3686,683 +3965,152 @@
           <a:p>
             <a:pPr algn="ctr"/>
             <a:r>
-              <a:rPr lang="en-US" sz="3600" dirty="0">
+              <a:rPr lang="en-US" sz="2800" spc="50" dirty="0">
                 <a:solidFill>
                   <a:schemeClr val="bg1"/>
                 </a:solidFill>
+                <a:latin typeface="Assistant" panose="00000500000000000000" pitchFamily="2" charset="-79"/>
+                <a:cs typeface="Assistant" panose="00000500000000000000" pitchFamily="2" charset="-79"/>
               </a:rPr>
-              <a:t>Then praise the Lord, O my soul!</a:t>
-            </a:r>
-          </a:p>
-          <a:p>
-            <a:pPr algn="ctr"/>
-            <a:r>
-              <a:rPr lang="en-US" sz="3600" dirty="0">
+              <a:t>Now for celestial glory </a:t>
+            </a:r>
+          </a:p>
+          <a:p>
+            <a:pPr algn="ctr"/>
+            <a:r>
+              <a:rPr lang="en-US" sz="2800" spc="50" dirty="0">
                 <a:solidFill>
                   <a:schemeClr val="bg1"/>
                 </a:solidFill>
+                <a:latin typeface="Assistant" panose="00000500000000000000" pitchFamily="2" charset="-79"/>
+                <a:cs typeface="Assistant" panose="00000500000000000000" pitchFamily="2" charset="-79"/>
               </a:rPr>
-              <a:t>Abundant mercy, oh, how free!</a:t>
-            </a:r>
-          </a:p>
-          <a:p>
-            <a:pPr algn="ctr"/>
-            <a:r>
-              <a:rPr lang="en-US" sz="3600" dirty="0">
+              <a:t>in the presence of the Lord,</a:t>
+            </a:r>
+          </a:p>
+          <a:p>
+            <a:pPr algn="ctr"/>
+            <a:r>
+              <a:rPr lang="en-US" sz="2800" spc="50" dirty="0">
                 <a:solidFill>
                   <a:schemeClr val="bg1"/>
                 </a:solidFill>
+                <a:latin typeface="Assistant" panose="00000500000000000000" pitchFamily="2" charset="-79"/>
+                <a:cs typeface="Assistant" panose="00000500000000000000" pitchFamily="2" charset="-79"/>
               </a:rPr>
-              <a:t>In joyful song my spirit doth accord,</a:t>
-            </a:r>
-          </a:p>
-          <a:p>
-            <a:pPr algn="ctr"/>
-            <a:r>
-              <a:rPr lang="en-US" sz="3600" dirty="0">
+              <a:t>I will work and watch and humbly bow the knee;</a:t>
+            </a:r>
+          </a:p>
+          <a:p>
+            <a:pPr algn="ctr"/>
+            <a:r>
+              <a:rPr lang="en-US" sz="2800" spc="50" dirty="0">
                 <a:solidFill>
                   <a:schemeClr val="bg1"/>
                 </a:solidFill>
+                <a:latin typeface="Assistant" panose="00000500000000000000" pitchFamily="2" charset="-79"/>
+                <a:cs typeface="Assistant" panose="00000500000000000000" pitchFamily="2" charset="-79"/>
               </a:rPr>
-              <a:t>Since the precious angel message came to me.</a:t>
-            </a:r>
-          </a:p>
-        </p:txBody>
-      </p:sp>
-    </p:spTree>
-    <p:extLst>
-      <p:ext uri="{BB962C8B-B14F-4D97-AF65-F5344CB8AC3E}">
-        <p14:creationId xmlns:p14="http://schemas.microsoft.com/office/powerpoint/2010/main" val="445362652"/>
-      </p:ext>
-    </p:extLst>
-  </p:cSld>
-  <p:clrMapOvr>
-    <a:masterClrMapping/>
-  </p:clrMapOvr>
-</p:sld>
-</file>
-
-<file path=ppt/slides/slide5.xml><?xml version="1.0" encoding="utf-8"?>
-<p:sld xmlns:a="http://schemas.openxmlformats.org/drawingml/2006/main" xmlns:r="http://schemas.openxmlformats.org/officeDocument/2006/relationships" xmlns:p="http://schemas.openxmlformats.org/presentationml/2006/main">
-  <p:cSld>
-    <p:spTree>
-      <p:nvGrpSpPr>
-        <p:cNvPr id="1" name=""/>
-        <p:cNvGrpSpPr/>
-        <p:nvPr/>
-      </p:nvGrpSpPr>
-      <p:grpSpPr>
-        <a:xfrm>
-          <a:off x="0" y="0"/>
-          <a:ext cx="0" cy="0"/>
-          <a:chOff x="0" y="0"/>
-          <a:chExt cx="0" cy="0"/>
-        </a:xfrm>
-      </p:grpSpPr>
-      <p:sp>
-        <p:nvSpPr>
-          <p:cNvPr id="4" name="Rectangle 3"/>
-          <p:cNvSpPr/>
-          <p:nvPr/>
-        </p:nvSpPr>
-        <p:spPr>
-          <a:xfrm>
-            <a:off x="0" y="5444197"/>
-            <a:ext cx="12192000" cy="1413803"/>
-          </a:xfrm>
-          <a:prstGeom prst="rect">
-            <a:avLst/>
-          </a:prstGeom>
-          <a:gradFill flip="none" rotWithShape="1">
-            <a:gsLst>
-              <a:gs pos="0">
-                <a:srgbClr val="998675">
-                  <a:alpha val="0"/>
-                </a:srgbClr>
-              </a:gs>
-              <a:gs pos="100000">
-                <a:srgbClr val="998675"/>
-              </a:gs>
-            </a:gsLst>
-            <a:lin ang="5400000" scaled="1"/>
-            <a:tileRect/>
-          </a:gradFill>
-          <a:ln>
-            <a:noFill/>
-          </a:ln>
-        </p:spPr>
-        <p:style>
-          <a:lnRef idx="2">
-            <a:schemeClr val="accent1">
-              <a:shade val="50000"/>
-            </a:schemeClr>
-          </a:lnRef>
-          <a:fillRef idx="1">
-            <a:schemeClr val="accent1"/>
-          </a:fillRef>
-          <a:effectRef idx="0">
-            <a:schemeClr val="accent1"/>
-          </a:effectRef>
-          <a:fontRef idx="minor">
-            <a:schemeClr val="lt1"/>
-          </a:fontRef>
-        </p:style>
-        <p:txBody>
-          <a:bodyPr rtlCol="0" anchor="ctr"/>
-          <a:lstStyle/>
-          <a:p>
-            <a:pPr algn="ctr"/>
-            <a:endParaRPr lang="en-US"/>
-          </a:p>
-        </p:txBody>
-      </p:sp>
-      <p:sp>
-        <p:nvSpPr>
-          <p:cNvPr id="7" name="TextBox 6"/>
-          <p:cNvSpPr txBox="1"/>
-          <p:nvPr/>
-        </p:nvSpPr>
-        <p:spPr>
-          <a:xfrm>
-            <a:off x="0" y="5804209"/>
-            <a:ext cx="12192000" cy="830997"/>
-          </a:xfrm>
-          <a:prstGeom prst="rect">
-            <a:avLst/>
-          </a:prstGeom>
-          <a:noFill/>
-        </p:spPr>
-        <p:txBody>
-          <a:bodyPr wrap="square" rtlCol="0" anchor="ctr">
-            <a:spAutoFit/>
-          </a:bodyPr>
-          <a:lstStyle/>
-          <a:p>
-            <a:pPr algn="ctr"/>
-            <a:r>
-              <a:rPr lang="en-US" sz="4800" dirty="0">
+              <a:t>No longer faith but knowledge</a:t>
+            </a:r>
+          </a:p>
+          <a:p>
+            <a:pPr algn="ctr"/>
+            <a:r>
+              <a:rPr lang="en-US" sz="2800" spc="50" dirty="0">
                 <a:solidFill>
                   <a:schemeClr val="bg1"/>
                 </a:solidFill>
+                <a:latin typeface="Assistant" panose="00000500000000000000" pitchFamily="2" charset="-79"/>
+                <a:cs typeface="Assistant" panose="00000500000000000000" pitchFamily="2" charset="-79"/>
               </a:rPr>
-              <a:t>“I Have Found the Glorious Gospel”</a:t>
-            </a:r>
-          </a:p>
-        </p:txBody>
-      </p:sp>
-      <p:sp>
-        <p:nvSpPr>
-          <p:cNvPr id="8" name="TextBox 7"/>
-          <p:cNvSpPr txBox="1"/>
-          <p:nvPr/>
-        </p:nvSpPr>
-        <p:spPr>
-          <a:xfrm>
-            <a:off x="0" y="692243"/>
-            <a:ext cx="12192000" cy="3970318"/>
-          </a:xfrm>
-          <a:prstGeom prst="rect">
-            <a:avLst/>
-          </a:prstGeom>
-          <a:noFill/>
-        </p:spPr>
-        <p:txBody>
-          <a:bodyPr wrap="square" rtlCol="0">
-            <a:spAutoFit/>
-          </a:bodyPr>
-          <a:lstStyle/>
-          <a:p>
-            <a:pPr algn="ctr"/>
-            <a:r>
-              <a:rPr lang="en-US" sz="3600" dirty="0">
+              <a:t>in true and sweet accord</a:t>
+            </a:r>
+          </a:p>
+          <a:p>
+            <a:pPr algn="ctr"/>
+            <a:r>
+              <a:rPr lang="en-US" sz="2800" spc="50" dirty="0">
                 <a:solidFill>
                   <a:schemeClr val="bg1"/>
                 </a:solidFill>
+                <a:latin typeface="Assistant" panose="00000500000000000000" pitchFamily="2" charset="-79"/>
+                <a:cs typeface="Assistant" panose="00000500000000000000" pitchFamily="2" charset="-79"/>
               </a:rPr>
-              <a:t>My once blind eyes are open,</a:t>
-            </a:r>
-          </a:p>
-          <a:p>
-            <a:pPr algn="ctr"/>
-            <a:r>
-              <a:rPr lang="en-US" sz="3600" dirty="0">
-                <a:solidFill>
-                  <a:schemeClr val="bg1"/>
-                </a:solidFill>
-              </a:rPr>
-              <a:t>my sins are washed away;</a:t>
-            </a:r>
-          </a:p>
-          <a:p>
-            <a:pPr algn="ctr"/>
-            <a:r>
-              <a:rPr lang="en-US" sz="3600" dirty="0">
-                <a:solidFill>
-                  <a:schemeClr val="bg1"/>
-                </a:solidFill>
-              </a:rPr>
-              <a:t>And the kingdom I can very plainly see;</a:t>
-            </a:r>
-          </a:p>
-          <a:p>
-            <a:pPr algn="ctr"/>
-            <a:endParaRPr lang="en-US" sz="3600" dirty="0">
+              <a:t>Has the precious angel message brought to me.</a:t>
+            </a:r>
+          </a:p>
+          <a:p>
+            <a:pPr algn="ctr"/>
+            <a:endParaRPr lang="en-US" sz="2800" spc="50" dirty="0">
               <a:solidFill>
                 <a:schemeClr val="bg1"/>
               </a:solidFill>
+              <a:latin typeface="Assistant" panose="00000500000000000000" pitchFamily="2" charset="-79"/>
+              <a:cs typeface="Assistant" panose="00000500000000000000" pitchFamily="2" charset="-79"/>
             </a:endParaRPr>
           </a:p>
           <a:p>
             <a:pPr algn="ctr"/>
             <a:r>
-              <a:rPr lang="en-US" sz="3600" dirty="0">
+              <a:rPr lang="en-US" sz="2800" spc="50" dirty="0">
                 <a:solidFill>
                   <a:schemeClr val="bg1"/>
                 </a:solidFill>
+                <a:latin typeface="Assistant" panose="00000500000000000000" pitchFamily="2" charset="-79"/>
+                <a:cs typeface="Assistant" panose="00000500000000000000" pitchFamily="2" charset="-79"/>
               </a:rPr>
-              <a:t>No more do fears and </a:t>
-            </a:r>
-            <a:r>
-              <a:rPr lang="en-US" sz="3600">
+              <a:t>Then praise the Lord, O my soul!</a:t>
+            </a:r>
+          </a:p>
+          <a:p>
+            <a:pPr algn="ctr"/>
+            <a:r>
+              <a:rPr lang="en-US" sz="2800" spc="50" dirty="0">
                 <a:solidFill>
                   <a:schemeClr val="bg1"/>
                 </a:solidFill>
+                <a:latin typeface="Assistant" panose="00000500000000000000" pitchFamily="2" charset="-79"/>
+                <a:cs typeface="Assistant" panose="00000500000000000000" pitchFamily="2" charset="-79"/>
               </a:rPr>
-              <a:t>doubtings</a:t>
-            </a:r>
-            <a:endParaRPr lang="en-US" sz="3600" dirty="0">
+              <a:t>Abundant mercy, oh, how free!</a:t>
+            </a:r>
+          </a:p>
+          <a:p>
+            <a:pPr algn="ctr"/>
+            <a:r>
+              <a:rPr lang="en-US" sz="2800" spc="50" dirty="0">
+                <a:solidFill>
+                  <a:schemeClr val="bg1"/>
+                </a:solidFill>
+                <a:latin typeface="Assistant" panose="00000500000000000000" pitchFamily="2" charset="-79"/>
+                <a:cs typeface="Assistant" panose="00000500000000000000" pitchFamily="2" charset="-79"/>
+              </a:rPr>
+              <a:t>In joyful song my spirit doth accord,</a:t>
+            </a:r>
+          </a:p>
+          <a:p>
+            <a:pPr algn="ctr"/>
+            <a:r>
+              <a:rPr lang="en-US" sz="2800" spc="50" dirty="0">
+                <a:solidFill>
+                  <a:schemeClr val="bg1"/>
+                </a:solidFill>
+                <a:latin typeface="Assistant" panose="00000500000000000000" pitchFamily="2" charset="-79"/>
+                <a:cs typeface="Assistant" panose="00000500000000000000" pitchFamily="2" charset="-79"/>
+              </a:rPr>
+              <a:t>Since the precious angel message came to me.</a:t>
+            </a:r>
+          </a:p>
+          <a:p>
+            <a:pPr algn="ctr"/>
+            <a:endParaRPr lang="en-US" sz="2800" spc="50" dirty="0">
               <a:solidFill>
                 <a:schemeClr val="bg1"/>
               </a:solidFill>
+              <a:latin typeface="Assistant" panose="00000500000000000000" pitchFamily="2" charset="-79"/>
+              <a:cs typeface="Assistant" panose="00000500000000000000" pitchFamily="2" charset="-79"/>
             </a:endParaRPr>
-          </a:p>
-          <a:p>
-            <a:pPr algn="ctr"/>
-            <a:r>
-              <a:rPr lang="en-US" sz="3600" dirty="0">
-                <a:solidFill>
-                  <a:schemeClr val="bg1"/>
-                </a:solidFill>
-              </a:rPr>
-              <a:t>my trusting soul dismay,</a:t>
-            </a:r>
-          </a:p>
-          <a:p>
-            <a:pPr algn="ctr"/>
-            <a:r>
-              <a:rPr lang="en-US" sz="3600" dirty="0">
-                <a:solidFill>
-                  <a:schemeClr val="bg1"/>
-                </a:solidFill>
-              </a:rPr>
-              <a:t>Since the precious angel message came to me.</a:t>
-            </a:r>
-          </a:p>
-        </p:txBody>
-      </p:sp>
-    </p:spTree>
-    <p:extLst>
-      <p:ext uri="{BB962C8B-B14F-4D97-AF65-F5344CB8AC3E}">
-        <p14:creationId xmlns:p14="http://schemas.microsoft.com/office/powerpoint/2010/main" val="3844178542"/>
-      </p:ext>
-    </p:extLst>
-  </p:cSld>
-  <p:clrMapOvr>
-    <a:masterClrMapping/>
-  </p:clrMapOvr>
-</p:sld>
-</file>
-
-<file path=ppt/slides/slide6.xml><?xml version="1.0" encoding="utf-8"?>
-<p:sld xmlns:a="http://schemas.openxmlformats.org/drawingml/2006/main" xmlns:r="http://schemas.openxmlformats.org/officeDocument/2006/relationships" xmlns:p="http://schemas.openxmlformats.org/presentationml/2006/main">
-  <p:cSld>
-    <p:spTree>
-      <p:nvGrpSpPr>
-        <p:cNvPr id="1" name=""/>
-        <p:cNvGrpSpPr/>
-        <p:nvPr/>
-      </p:nvGrpSpPr>
-      <p:grpSpPr>
-        <a:xfrm>
-          <a:off x="0" y="0"/>
-          <a:ext cx="0" cy="0"/>
-          <a:chOff x="0" y="0"/>
-          <a:chExt cx="0" cy="0"/>
-        </a:xfrm>
-      </p:grpSpPr>
-      <p:sp>
-        <p:nvSpPr>
-          <p:cNvPr id="4" name="Rectangle 3"/>
-          <p:cNvSpPr/>
-          <p:nvPr/>
-        </p:nvSpPr>
-        <p:spPr>
-          <a:xfrm>
-            <a:off x="0" y="5444197"/>
-            <a:ext cx="12192000" cy="1413803"/>
-          </a:xfrm>
-          <a:prstGeom prst="rect">
-            <a:avLst/>
-          </a:prstGeom>
-          <a:gradFill flip="none" rotWithShape="1">
-            <a:gsLst>
-              <a:gs pos="0">
-                <a:srgbClr val="998675">
-                  <a:alpha val="0"/>
-                </a:srgbClr>
-              </a:gs>
-              <a:gs pos="100000">
-                <a:srgbClr val="998675"/>
-              </a:gs>
-            </a:gsLst>
-            <a:lin ang="5400000" scaled="1"/>
-            <a:tileRect/>
-          </a:gradFill>
-          <a:ln>
-            <a:noFill/>
-          </a:ln>
-        </p:spPr>
-        <p:style>
-          <a:lnRef idx="2">
-            <a:schemeClr val="accent1">
-              <a:shade val="50000"/>
-            </a:schemeClr>
-          </a:lnRef>
-          <a:fillRef idx="1">
-            <a:schemeClr val="accent1"/>
-          </a:fillRef>
-          <a:effectRef idx="0">
-            <a:schemeClr val="accent1"/>
-          </a:effectRef>
-          <a:fontRef idx="minor">
-            <a:schemeClr val="lt1"/>
-          </a:fontRef>
-        </p:style>
-        <p:txBody>
-          <a:bodyPr rtlCol="0" anchor="ctr"/>
-          <a:lstStyle/>
-          <a:p>
-            <a:pPr algn="ctr"/>
-            <a:endParaRPr lang="en-US"/>
-          </a:p>
-        </p:txBody>
-      </p:sp>
-      <p:sp>
-        <p:nvSpPr>
-          <p:cNvPr id="7" name="TextBox 6"/>
-          <p:cNvSpPr txBox="1"/>
-          <p:nvPr/>
-        </p:nvSpPr>
-        <p:spPr>
-          <a:xfrm>
-            <a:off x="0" y="5804209"/>
-            <a:ext cx="12192000" cy="830997"/>
-          </a:xfrm>
-          <a:prstGeom prst="rect">
-            <a:avLst/>
-          </a:prstGeom>
-          <a:noFill/>
-        </p:spPr>
-        <p:txBody>
-          <a:bodyPr wrap="square" rtlCol="0" anchor="ctr">
-            <a:spAutoFit/>
-          </a:bodyPr>
-          <a:lstStyle/>
-          <a:p>
-            <a:pPr algn="ctr"/>
-            <a:r>
-              <a:rPr lang="en-US" sz="4800" dirty="0">
-                <a:solidFill>
-                  <a:schemeClr val="bg1"/>
-                </a:solidFill>
-              </a:rPr>
-              <a:t>“I Have Found the Glorious Gospel”</a:t>
-            </a:r>
-          </a:p>
-        </p:txBody>
-      </p:sp>
-      <p:sp>
-        <p:nvSpPr>
-          <p:cNvPr id="8" name="TextBox 7"/>
-          <p:cNvSpPr txBox="1"/>
-          <p:nvPr/>
-        </p:nvSpPr>
-        <p:spPr>
-          <a:xfrm>
-            <a:off x="0" y="1341604"/>
-            <a:ext cx="12192000" cy="2308324"/>
-          </a:xfrm>
-          <a:prstGeom prst="rect">
-            <a:avLst/>
-          </a:prstGeom>
-          <a:noFill/>
-        </p:spPr>
-        <p:txBody>
-          <a:bodyPr wrap="square" rtlCol="0">
-            <a:spAutoFit/>
-          </a:bodyPr>
-          <a:lstStyle/>
-          <a:p>
-            <a:pPr algn="ctr"/>
-            <a:r>
-              <a:rPr lang="en-US" sz="3600" dirty="0">
-                <a:solidFill>
-                  <a:schemeClr val="bg1"/>
-                </a:solidFill>
-              </a:rPr>
-              <a:t>Then praise the Lord, O my soul!</a:t>
-            </a:r>
-          </a:p>
-          <a:p>
-            <a:pPr algn="ctr"/>
-            <a:r>
-              <a:rPr lang="en-US" sz="3600" dirty="0">
-                <a:solidFill>
-                  <a:schemeClr val="bg1"/>
-                </a:solidFill>
-              </a:rPr>
-              <a:t>Abundant mercy, oh, how free!</a:t>
-            </a:r>
-          </a:p>
-          <a:p>
-            <a:pPr algn="ctr"/>
-            <a:r>
-              <a:rPr lang="en-US" sz="3600" dirty="0">
-                <a:solidFill>
-                  <a:schemeClr val="bg1"/>
-                </a:solidFill>
-              </a:rPr>
-              <a:t>In joyful song my spirit doth accord,</a:t>
-            </a:r>
-          </a:p>
-          <a:p>
-            <a:pPr algn="ctr"/>
-            <a:r>
-              <a:rPr lang="en-US" sz="3600" dirty="0">
-                <a:solidFill>
-                  <a:schemeClr val="bg1"/>
-                </a:solidFill>
-              </a:rPr>
-              <a:t>Since the precious angel message came to me.</a:t>
-            </a:r>
-          </a:p>
-        </p:txBody>
-      </p:sp>
-    </p:spTree>
-    <p:extLst>
-      <p:ext uri="{BB962C8B-B14F-4D97-AF65-F5344CB8AC3E}">
-        <p14:creationId xmlns:p14="http://schemas.microsoft.com/office/powerpoint/2010/main" val="285709685"/>
-      </p:ext>
-    </p:extLst>
-  </p:cSld>
-  <p:clrMapOvr>
-    <a:masterClrMapping/>
-  </p:clrMapOvr>
-</p:sld>
-</file>
-
-<file path=ppt/slides/slide7.xml><?xml version="1.0" encoding="utf-8"?>
-<p:sld xmlns:a="http://schemas.openxmlformats.org/drawingml/2006/main" xmlns:r="http://schemas.openxmlformats.org/officeDocument/2006/relationships" xmlns:p="http://schemas.openxmlformats.org/presentationml/2006/main">
-  <p:cSld>
-    <p:spTree>
-      <p:nvGrpSpPr>
-        <p:cNvPr id="1" name=""/>
-        <p:cNvGrpSpPr/>
-        <p:nvPr/>
-      </p:nvGrpSpPr>
-      <p:grpSpPr>
-        <a:xfrm>
-          <a:off x="0" y="0"/>
-          <a:ext cx="0" cy="0"/>
-          <a:chOff x="0" y="0"/>
-          <a:chExt cx="0" cy="0"/>
-        </a:xfrm>
-      </p:grpSpPr>
-      <p:sp>
-        <p:nvSpPr>
-          <p:cNvPr id="4" name="Rectangle 3"/>
-          <p:cNvSpPr/>
-          <p:nvPr/>
-        </p:nvSpPr>
-        <p:spPr>
-          <a:xfrm>
-            <a:off x="0" y="5444197"/>
-            <a:ext cx="12192000" cy="1413803"/>
-          </a:xfrm>
-          <a:prstGeom prst="rect">
-            <a:avLst/>
-          </a:prstGeom>
-          <a:gradFill flip="none" rotWithShape="1">
-            <a:gsLst>
-              <a:gs pos="0">
-                <a:srgbClr val="998675">
-                  <a:alpha val="0"/>
-                </a:srgbClr>
-              </a:gs>
-              <a:gs pos="100000">
-                <a:srgbClr val="998675"/>
-              </a:gs>
-            </a:gsLst>
-            <a:lin ang="5400000" scaled="1"/>
-            <a:tileRect/>
-          </a:gradFill>
-          <a:ln>
-            <a:noFill/>
-          </a:ln>
-        </p:spPr>
-        <p:style>
-          <a:lnRef idx="2">
-            <a:schemeClr val="accent1">
-              <a:shade val="50000"/>
-            </a:schemeClr>
-          </a:lnRef>
-          <a:fillRef idx="1">
-            <a:schemeClr val="accent1"/>
-          </a:fillRef>
-          <a:effectRef idx="0">
-            <a:schemeClr val="accent1"/>
-          </a:effectRef>
-          <a:fontRef idx="minor">
-            <a:schemeClr val="lt1"/>
-          </a:fontRef>
-        </p:style>
-        <p:txBody>
-          <a:bodyPr rtlCol="0" anchor="ctr"/>
-          <a:lstStyle/>
-          <a:p>
-            <a:pPr algn="ctr"/>
-            <a:endParaRPr lang="en-US"/>
-          </a:p>
-        </p:txBody>
-      </p:sp>
-      <p:sp>
-        <p:nvSpPr>
-          <p:cNvPr id="7" name="TextBox 6"/>
-          <p:cNvSpPr txBox="1"/>
-          <p:nvPr/>
-        </p:nvSpPr>
-        <p:spPr>
-          <a:xfrm>
-            <a:off x="0" y="5804209"/>
-            <a:ext cx="12192000" cy="830997"/>
-          </a:xfrm>
-          <a:prstGeom prst="rect">
-            <a:avLst/>
-          </a:prstGeom>
-          <a:noFill/>
-        </p:spPr>
-        <p:txBody>
-          <a:bodyPr wrap="square" rtlCol="0" anchor="ctr">
-            <a:spAutoFit/>
-          </a:bodyPr>
-          <a:lstStyle/>
-          <a:p>
-            <a:pPr algn="ctr"/>
-            <a:r>
-              <a:rPr lang="en-US" sz="4800" dirty="0">
-                <a:solidFill>
-                  <a:schemeClr val="bg1"/>
-                </a:solidFill>
-              </a:rPr>
-              <a:t>“I Have Found the Glorious Gospel”</a:t>
-            </a:r>
-          </a:p>
-        </p:txBody>
-      </p:sp>
-      <p:sp>
-        <p:nvSpPr>
-          <p:cNvPr id="8" name="TextBox 7"/>
-          <p:cNvSpPr txBox="1"/>
-          <p:nvPr/>
-        </p:nvSpPr>
-        <p:spPr>
-          <a:xfrm>
-            <a:off x="0" y="652487"/>
-            <a:ext cx="12192000" cy="3970318"/>
-          </a:xfrm>
-          <a:prstGeom prst="rect">
-            <a:avLst/>
-          </a:prstGeom>
-          <a:noFill/>
-        </p:spPr>
-        <p:txBody>
-          <a:bodyPr wrap="square" rtlCol="0">
-            <a:spAutoFit/>
-          </a:bodyPr>
-          <a:lstStyle/>
-          <a:p>
-            <a:pPr algn="ctr"/>
-            <a:r>
-              <a:rPr lang="en-US" sz="3600" dirty="0">
-                <a:solidFill>
-                  <a:schemeClr val="bg1"/>
-                </a:solidFill>
-              </a:rPr>
-              <a:t>Now for celestial glory </a:t>
-            </a:r>
-          </a:p>
-          <a:p>
-            <a:pPr algn="ctr"/>
-            <a:r>
-              <a:rPr lang="en-US" sz="3600" dirty="0">
-                <a:solidFill>
-                  <a:schemeClr val="bg1"/>
-                </a:solidFill>
-              </a:rPr>
-              <a:t>in the presence of the Lord,</a:t>
-            </a:r>
-          </a:p>
-          <a:p>
-            <a:pPr algn="ctr"/>
-            <a:r>
-              <a:rPr lang="en-US" sz="3600" dirty="0">
-                <a:solidFill>
-                  <a:schemeClr val="bg1"/>
-                </a:solidFill>
-              </a:rPr>
-              <a:t>I will work and watch and humbly bow the knee;</a:t>
-            </a:r>
-          </a:p>
-          <a:p>
-            <a:pPr algn="ctr"/>
-            <a:endParaRPr lang="en-US" sz="3600" dirty="0">
-              <a:solidFill>
-                <a:schemeClr val="bg1"/>
-              </a:solidFill>
-            </a:endParaRPr>
-          </a:p>
-          <a:p>
-            <a:pPr algn="ctr"/>
-            <a:r>
-              <a:rPr lang="en-US" sz="3600" dirty="0">
-                <a:solidFill>
-                  <a:schemeClr val="bg1"/>
-                </a:solidFill>
-              </a:rPr>
-              <a:t>No longer faith but knowledge</a:t>
-            </a:r>
-          </a:p>
-          <a:p>
-            <a:pPr algn="ctr"/>
-            <a:r>
-              <a:rPr lang="en-US" sz="3600" dirty="0">
-                <a:solidFill>
-                  <a:schemeClr val="bg1"/>
-                </a:solidFill>
-              </a:rPr>
-              <a:t>in true and sweet accord</a:t>
-            </a:r>
-          </a:p>
-          <a:p>
-            <a:pPr algn="ctr"/>
-            <a:r>
-              <a:rPr lang="en-US" sz="3600" dirty="0">
-                <a:solidFill>
-                  <a:schemeClr val="bg1"/>
-                </a:solidFill>
-              </a:rPr>
-              <a:t>Has the precious angel message brought to me.</a:t>
-            </a:r>
           </a:p>
         </p:txBody>
       </p:sp>
@@ -4370,194 +4118,6 @@
     <p:extLst>
       <p:ext uri="{BB962C8B-B14F-4D97-AF65-F5344CB8AC3E}">
         <p14:creationId xmlns:p14="http://schemas.microsoft.com/office/powerpoint/2010/main" val="1751299309"/>
-      </p:ext>
-    </p:extLst>
-  </p:cSld>
-  <p:clrMapOvr>
-    <a:masterClrMapping/>
-  </p:clrMapOvr>
-</p:sld>
-</file>
-
-<file path=ppt/slides/slide8.xml><?xml version="1.0" encoding="utf-8"?>
-<p:sld xmlns:a="http://schemas.openxmlformats.org/drawingml/2006/main" xmlns:r="http://schemas.openxmlformats.org/officeDocument/2006/relationships" xmlns:p="http://schemas.openxmlformats.org/presentationml/2006/main">
-  <p:cSld>
-    <p:spTree>
-      <p:nvGrpSpPr>
-        <p:cNvPr id="1" name=""/>
-        <p:cNvGrpSpPr/>
-        <p:nvPr/>
-      </p:nvGrpSpPr>
-      <p:grpSpPr>
-        <a:xfrm>
-          <a:off x="0" y="0"/>
-          <a:ext cx="0" cy="0"/>
-          <a:chOff x="0" y="0"/>
-          <a:chExt cx="0" cy="0"/>
-        </a:xfrm>
-      </p:grpSpPr>
-      <p:sp>
-        <p:nvSpPr>
-          <p:cNvPr id="4" name="Rectangle 3"/>
-          <p:cNvSpPr/>
-          <p:nvPr/>
-        </p:nvSpPr>
-        <p:spPr>
-          <a:xfrm>
-            <a:off x="0" y="5444197"/>
-            <a:ext cx="12192000" cy="1413803"/>
-          </a:xfrm>
-          <a:prstGeom prst="rect">
-            <a:avLst/>
-          </a:prstGeom>
-          <a:gradFill flip="none" rotWithShape="1">
-            <a:gsLst>
-              <a:gs pos="0">
-                <a:srgbClr val="998675">
-                  <a:alpha val="0"/>
-                </a:srgbClr>
-              </a:gs>
-              <a:gs pos="100000">
-                <a:srgbClr val="998675"/>
-              </a:gs>
-            </a:gsLst>
-            <a:lin ang="5400000" scaled="1"/>
-            <a:tileRect/>
-          </a:gradFill>
-          <a:ln>
-            <a:noFill/>
-          </a:ln>
-        </p:spPr>
-        <p:style>
-          <a:lnRef idx="2">
-            <a:schemeClr val="accent1">
-              <a:shade val="50000"/>
-            </a:schemeClr>
-          </a:lnRef>
-          <a:fillRef idx="1">
-            <a:schemeClr val="accent1"/>
-          </a:fillRef>
-          <a:effectRef idx="0">
-            <a:schemeClr val="accent1"/>
-          </a:effectRef>
-          <a:fontRef idx="minor">
-            <a:schemeClr val="lt1"/>
-          </a:fontRef>
-        </p:style>
-        <p:txBody>
-          <a:bodyPr rtlCol="0" anchor="ctr"/>
-          <a:lstStyle/>
-          <a:p>
-            <a:pPr algn="ctr"/>
-            <a:endParaRPr lang="en-US"/>
-          </a:p>
-        </p:txBody>
-      </p:sp>
-      <p:sp>
-        <p:nvSpPr>
-          <p:cNvPr id="7" name="TextBox 6"/>
-          <p:cNvSpPr txBox="1"/>
-          <p:nvPr/>
-        </p:nvSpPr>
-        <p:spPr>
-          <a:xfrm>
-            <a:off x="0" y="5804209"/>
-            <a:ext cx="12192000" cy="830997"/>
-          </a:xfrm>
-          <a:prstGeom prst="rect">
-            <a:avLst/>
-          </a:prstGeom>
-          <a:noFill/>
-        </p:spPr>
-        <p:txBody>
-          <a:bodyPr wrap="square" rtlCol="0" anchor="ctr">
-            <a:spAutoFit/>
-          </a:bodyPr>
-          <a:lstStyle/>
-          <a:p>
-            <a:pPr algn="ctr"/>
-            <a:r>
-              <a:rPr lang="en-US" sz="4800" dirty="0">
-                <a:solidFill>
-                  <a:schemeClr val="bg1"/>
-                </a:solidFill>
-              </a:rPr>
-              <a:t>“I Have Found the Glorious Gospel”</a:t>
-            </a:r>
-          </a:p>
-        </p:txBody>
-      </p:sp>
-      <p:sp>
-        <p:nvSpPr>
-          <p:cNvPr id="8" name="TextBox 7"/>
-          <p:cNvSpPr txBox="1"/>
-          <p:nvPr/>
-        </p:nvSpPr>
-        <p:spPr>
-          <a:xfrm>
-            <a:off x="0" y="1341604"/>
-            <a:ext cx="12192000" cy="2308324"/>
-          </a:xfrm>
-          <a:prstGeom prst="rect">
-            <a:avLst/>
-          </a:prstGeom>
-          <a:noFill/>
-        </p:spPr>
-        <p:txBody>
-          <a:bodyPr wrap="square" rtlCol="0">
-            <a:spAutoFit/>
-          </a:bodyPr>
-          <a:lstStyle/>
-          <a:p>
-            <a:pPr algn="ctr"/>
-            <a:r>
-              <a:rPr lang="en-US" sz="3600" dirty="0">
-                <a:solidFill>
-                  <a:schemeClr val="bg1"/>
-                </a:solidFill>
-              </a:rPr>
-              <a:t>Then praise the Lord, O my soul!</a:t>
-            </a:r>
-          </a:p>
-          <a:p>
-            <a:pPr algn="ctr"/>
-            <a:r>
-              <a:rPr lang="en-US" sz="3600" dirty="0">
-                <a:solidFill>
-                  <a:schemeClr val="bg1"/>
-                </a:solidFill>
-              </a:rPr>
-              <a:t>Abundant mercy, oh, how free!</a:t>
-            </a:r>
-          </a:p>
-          <a:p>
-            <a:pPr algn="ctr"/>
-            <a:r>
-              <a:rPr lang="en-US" sz="3600" dirty="0">
-                <a:solidFill>
-                  <a:schemeClr val="bg1"/>
-                </a:solidFill>
-              </a:rPr>
-              <a:t>In joyful song my spirit doth accord,</a:t>
-            </a:r>
-          </a:p>
-          <a:p>
-            <a:pPr algn="ctr"/>
-            <a:r>
-              <a:rPr lang="en-US" sz="3600" dirty="0">
-                <a:solidFill>
-                  <a:schemeClr val="bg1"/>
-                </a:solidFill>
-              </a:rPr>
-              <a:t>Since the precious angel message came to me.</a:t>
-            </a:r>
-          </a:p>
-        </p:txBody>
-      </p:sp>
-    </p:spTree>
-    <p:extLst>
-      <p:ext uri="{BB962C8B-B14F-4D97-AF65-F5344CB8AC3E}">
-        <p14:creationId xmlns:p14="http://schemas.microsoft.com/office/powerpoint/2010/main" val="2858700006"/>
       </p:ext>
     </p:extLst>
   </p:cSld>
